--- a/Lab 2 - Hadoop Framework/MapReduce.pptx
+++ b/Lab 2 - Hadoop Framework/MapReduce.pptx
@@ -272,7 +272,7 @@
       </p15:sldGuideLst>
     </p:ext>
     <p:ext uri="http://customooxmlschemas.google.com/">
-      <go:slidesCustomData xmlns:go="http://customooxmlschemas.google.com/" xmlns:ahyp="http://schemas.microsoft.com/office/drawing/2018/hyperlinkcolor" xmlns:p15="http://schemas.microsoft.com/office/powerpoint/2012/main" xmlns:p14="http://schemas.microsoft.com/office/powerpoint/2010/main" xmlns:com="http://schemas.openxmlformats.org/drawingml/2006/compatibility" xmlns:pvml="urn:schemas-microsoft-com:office:powerpoint" xmlns:v="urn:schemas-microsoft-com:vml" xmlns:o="urn:schemas-microsoft-com:office:office" xmlns:dgm="http://schemas.openxmlformats.org/drawingml/2006/diagram" xmlns:c="http://schemas.openxmlformats.org/drawingml/2006/chart" xmlns:mv="urn:schemas-microsoft-com:mac:vml" xmlns:mc="http://schemas.openxmlformats.org/markup-compatibility/2006" xmlns="" r:id="rId22" roundtripDataSignature="AMtx7mjOTkFa0zY6y+G1gUVa/XeeK+Vm/w=="/>
+      <go:slidesCustomData xmlns="" xmlns:mc="http://schemas.openxmlformats.org/markup-compatibility/2006" xmlns:mv="urn:schemas-microsoft-com:mac:vml" xmlns:c="http://schemas.openxmlformats.org/drawingml/2006/chart" xmlns:dgm="http://schemas.openxmlformats.org/drawingml/2006/diagram" xmlns:o="urn:schemas-microsoft-com:office:office" xmlns:v="urn:schemas-microsoft-com:vml" xmlns:pvml="urn:schemas-microsoft-com:office:powerpoint" xmlns:com="http://schemas.openxmlformats.org/drawingml/2006/compatibility" xmlns:p14="http://schemas.microsoft.com/office/powerpoint/2010/main" xmlns:p15="http://schemas.microsoft.com/office/powerpoint/2012/main" xmlns:ahyp="http://schemas.microsoft.com/office/drawing/2018/hyperlinkcolor" xmlns:go="http://customooxmlschemas.google.com/" r:id="rId22" roundtripDataSignature="AMtx7mjOTkFa0zY6y+G1gUVa/XeeK+Vm/w=="/>
     </p:ext>
   </p:extLst>
 </p:presentation>
@@ -2250,7 +2250,51 @@
               </a:spcAft>
               <a:buNone/>
             </a:pPr>
-            <a:endParaRPr/>
+            <a:r>
+              <a:rPr lang="en-US" dirty="0"/>
+              <a:t>Ya3ni lo al map btl3li word = 1 </a:t>
+            </a:r>
+            <a:r>
+              <a:rPr lang="en-US" dirty="0" err="1"/>
+              <a:t>momkan</a:t>
+            </a:r>
+            <a:r>
+              <a:rPr lang="en-US" dirty="0"/>
+              <a:t> map#1 ttl3 w1 = 1 20 mara we map#2 ttl3 w1 = 1 10 </a:t>
+            </a:r>
+            <a:r>
+              <a:rPr lang="en-US" dirty="0" err="1"/>
+              <a:t>marat</a:t>
+            </a:r>
+            <a:r>
+              <a:rPr lang="en-US" dirty="0"/>
+              <a:t> so to optimize </a:t>
+            </a:r>
+            <a:r>
+              <a:rPr lang="en-US" dirty="0" err="1"/>
+              <a:t>momkan</a:t>
+            </a:r>
+            <a:r>
+              <a:rPr lang="en-US" dirty="0"/>
+              <a:t> a5li map#1 ttl3 w1 = 20 we map#2 ttl3 w1 = 10 3la </a:t>
+            </a:r>
+            <a:r>
+              <a:rPr lang="en-US" dirty="0" err="1"/>
+              <a:t>tol</a:t>
+            </a:r>
+            <a:r>
+              <a:rPr lang="en-US" dirty="0"/>
+              <a:t> we b3den da yro7 </a:t>
+            </a:r>
+            <a:r>
+              <a:rPr lang="en-US" dirty="0" err="1"/>
+              <a:t>lel</a:t>
+            </a:r>
+            <a:r>
+              <a:rPr lang="en-US" dirty="0"/>
+              <a:t> reducer</a:t>
+            </a:r>
+            <a:endParaRPr dirty="0"/>
           </a:p>
         </p:txBody>
       </p:sp>
